--- a/ShapeCrawler.Tests/Resource/030.pptx
+++ b/ShapeCrawler.Tests/Resource/030.pptx
@@ -108,6 +108,15 @@
     </a:lvl9pPr>
   </p:defaultTextStyle>
   <p:extLst>
+    <p:ext uri="{521415D9-36F7-43E2-AB2F-B90AF26B5E84}">
+      <p14:sectionLst xmlns:p14="http://schemas.microsoft.com/office/powerpoint/2010/main">
+        <p14:section name="Section 1" id="{BD46C731-0E39-4343-A544-75DE152BD767}">
+          <p14:sldIdLst>
+            <p14:sldId id="264"/>
+          </p14:sldIdLst>
+        </p14:section>
+      </p14:sectionLst>
+    </p:ext>
     <p:ext uri="{EFAFB233-063F-42B5-8137-9DF3F51BA10A}">
       <p15:sldGuideLst xmlns:p15="http://schemas.microsoft.com/office/powerpoint/2012/main">
         <p15:guide id="1" orient="horz" pos="2880">
@@ -208,7 +217,7 @@
           <a:p>
             <a:fld id="{2C091AF3-F71D-488C-915C-E617C63FA6C3}" type="datetimeFigureOut">
               <a:rPr lang="ru-RU" smtClean="0"/>
-              <a:t>15.04.2021</a:t>
+              <a:t>14.05.2022</a:t>
             </a:fld>
             <a:endParaRPr lang="ru-RU"/>
           </a:p>
@@ -662,7 +671,7 @@
           <a:p>
             <a:fld id="{1D8BD707-D9CF-40AE-B4C6-C98DA3205C09}" type="datetimeFigureOut">
               <a:rPr lang="en-US"/>
-              <a:t>4/15/2021</a:t>
+              <a:t>5/14/2022</a:t>
             </a:fld>
             <a:endParaRPr lang="en-US"/>
           </a:p>
@@ -887,7 +896,7 @@
           <a:p>
             <a:fld id="{1D8BD707-D9CF-40AE-B4C6-C98DA3205C09}" type="datetimeFigureOut">
               <a:rPr lang="en-US"/>
-              <a:t>4/15/2021</a:t>
+              <a:t>5/14/2022</a:t>
             </a:fld>
             <a:endParaRPr lang="en-US"/>
           </a:p>
@@ -1149,7 +1158,7 @@
           <a:p>
             <a:fld id="{1D8BD707-D9CF-40AE-B4C6-C98DA3205C09}" type="datetimeFigureOut">
               <a:rPr lang="en-US"/>
-              <a:t>4/15/2021</a:t>
+              <a:t>5/14/2022</a:t>
             </a:fld>
             <a:endParaRPr lang="en-US"/>
           </a:p>
@@ -1345,7 +1354,7 @@
           <a:p>
             <a:fld id="{1D8BD707-D9CF-40AE-B4C6-C98DA3205C09}" type="datetimeFigureOut">
               <a:rPr lang="en-US"/>
-              <a:t>4/15/2021</a:t>
+              <a:t>5/14/2022</a:t>
             </a:fld>
             <a:endParaRPr lang="en-US"/>
           </a:p>
@@ -1894,7 +1903,7 @@
           <a:p>
             <a:fld id="{1D8BD707-D9CF-40AE-B4C6-C98DA3205C09}" type="datetimeFigureOut">
               <a:rPr lang="en-US"/>
-              <a:t>4/15/2021</a:t>
+              <a:t>5/14/2022</a:t>
             </a:fld>
             <a:endParaRPr lang="en-US"/>
           </a:p>
@@ -2319,7 +2328,7 @@
           <a:p>
             <a:fld id="{1D8BD707-D9CF-40AE-B4C6-C98DA3205C09}" type="datetimeFigureOut">
               <a:rPr lang="en-US"/>
-              <a:t>4/15/2021</a:t>
+              <a:t>5/14/2022</a:t>
             </a:fld>
             <a:endParaRPr lang="en-US"/>
           </a:p>
